--- a/For paper/MSEComparison.pptx
+++ b/For paper/MSEComparison.pptx
@@ -5,9 +5,9 @@
     <p:sldMasterId id="2147483648" r:id="rId1"/>
   </p:sldMasterIdLst>
   <p:sldIdLst>
-    <p:sldId id="257" r:id="rId2"/>
+    <p:sldId id="256" r:id="rId2"/>
   </p:sldIdLst>
-  <p:sldSz cx="9144000" cy="6858000" type="screen4x3"/>
+  <p:sldSz cx="6858000" cy="9144000" type="screen4x3"/>
   <p:notesSz cx="6858000" cy="9144000"/>
   <p:defaultTextStyle>
     <a:defPPr>
@@ -136,8 +136,8 @@
         </p:nvSpPr>
         <p:spPr>
           <a:xfrm>
-            <a:off x="685800" y="2130425"/>
-            <a:ext cx="7772400" cy="1470025"/>
+            <a:off x="514350" y="2840568"/>
+            <a:ext cx="5829300" cy="1960033"/>
           </a:xfrm>
         </p:spPr>
         <p:txBody>
@@ -164,8 +164,8 @@
         </p:nvSpPr>
         <p:spPr>
           <a:xfrm>
-            <a:off x="1371600" y="3886200"/>
-            <a:ext cx="6400800" cy="1752600"/>
+            <a:off x="1028700" y="5181600"/>
+            <a:ext cx="4800600" cy="2336800"/>
           </a:xfrm>
         </p:spPr>
         <p:txBody>
@@ -288,7 +288,7 @@
           <a:p>
             <a:fld id="{7C9CBD0C-8918-4FB6-927D-A23EE0DA90C6}" type="datetimeFigureOut">
               <a:rPr lang="en-US" smtClean="0"/>
-              <a:t>8/5/2016</a:t>
+              <a:t>8/8/2016</a:t>
             </a:fld>
             <a:endParaRPr lang="en-US"/>
           </a:p>
@@ -458,7 +458,7 @@
           <a:p>
             <a:fld id="{7C9CBD0C-8918-4FB6-927D-A23EE0DA90C6}" type="datetimeFigureOut">
               <a:rPr lang="en-US" smtClean="0"/>
-              <a:t>8/5/2016</a:t>
+              <a:t>8/8/2016</a:t>
             </a:fld>
             <a:endParaRPr lang="en-US"/>
           </a:p>
@@ -548,8 +548,8 @@
         </p:nvSpPr>
         <p:spPr>
           <a:xfrm>
-            <a:off x="6629400" y="274638"/>
-            <a:ext cx="2057400" cy="5851525"/>
+            <a:off x="4972050" y="366185"/>
+            <a:ext cx="1543050" cy="7802033"/>
           </a:xfrm>
         </p:spPr>
         <p:txBody>
@@ -576,8 +576,8 @@
         </p:nvSpPr>
         <p:spPr>
           <a:xfrm>
-            <a:off x="457200" y="274638"/>
-            <a:ext cx="6019800" cy="5851525"/>
+            <a:off x="342900" y="366185"/>
+            <a:ext cx="4514850" cy="7802033"/>
           </a:xfrm>
         </p:spPr>
         <p:txBody>
@@ -638,7 +638,7 @@
           <a:p>
             <a:fld id="{7C9CBD0C-8918-4FB6-927D-A23EE0DA90C6}" type="datetimeFigureOut">
               <a:rPr lang="en-US" smtClean="0"/>
-              <a:t>8/5/2016</a:t>
+              <a:t>8/8/2016</a:t>
             </a:fld>
             <a:endParaRPr lang="en-US"/>
           </a:p>
@@ -808,7 +808,7 @@
           <a:p>
             <a:fld id="{7C9CBD0C-8918-4FB6-927D-A23EE0DA90C6}" type="datetimeFigureOut">
               <a:rPr lang="en-US" smtClean="0"/>
-              <a:t>8/5/2016</a:t>
+              <a:t>8/8/2016</a:t>
             </a:fld>
             <a:endParaRPr lang="en-US"/>
           </a:p>
@@ -898,8 +898,8 @@
         </p:nvSpPr>
         <p:spPr>
           <a:xfrm>
-            <a:off x="722313" y="4406900"/>
-            <a:ext cx="7772400" cy="1362075"/>
+            <a:off x="541735" y="5875867"/>
+            <a:ext cx="5829300" cy="1816100"/>
           </a:xfrm>
         </p:spPr>
         <p:txBody>
@@ -930,8 +930,8 @@
         </p:nvSpPr>
         <p:spPr>
           <a:xfrm>
-            <a:off x="722313" y="2906713"/>
-            <a:ext cx="7772400" cy="1500187"/>
+            <a:off x="541735" y="3875618"/>
+            <a:ext cx="5829300" cy="2000249"/>
           </a:xfrm>
         </p:spPr>
         <p:txBody>
@@ -1054,7 +1054,7 @@
           <a:p>
             <a:fld id="{7C9CBD0C-8918-4FB6-927D-A23EE0DA90C6}" type="datetimeFigureOut">
               <a:rPr lang="en-US" smtClean="0"/>
-              <a:t>8/5/2016</a:t>
+              <a:t>8/8/2016</a:t>
             </a:fld>
             <a:endParaRPr lang="en-US"/>
           </a:p>
@@ -1167,8 +1167,8 @@
         </p:nvSpPr>
         <p:spPr>
           <a:xfrm>
-            <a:off x="457200" y="1600200"/>
-            <a:ext cx="4038600" cy="4525963"/>
+            <a:off x="342900" y="2133601"/>
+            <a:ext cx="3028950" cy="6034617"/>
           </a:xfrm>
         </p:spPr>
         <p:txBody>
@@ -1252,8 +1252,8 @@
         </p:nvSpPr>
         <p:spPr>
           <a:xfrm>
-            <a:off x="4648200" y="1600200"/>
-            <a:ext cx="4038600" cy="4525963"/>
+            <a:off x="3486150" y="2133601"/>
+            <a:ext cx="3028950" cy="6034617"/>
           </a:xfrm>
         </p:spPr>
         <p:txBody>
@@ -1342,7 +1342,7 @@
           <a:p>
             <a:fld id="{7C9CBD0C-8918-4FB6-927D-A23EE0DA90C6}" type="datetimeFigureOut">
               <a:rPr lang="en-US" smtClean="0"/>
-              <a:t>8/5/2016</a:t>
+              <a:t>8/8/2016</a:t>
             </a:fld>
             <a:endParaRPr lang="en-US"/>
           </a:p>
@@ -1459,8 +1459,8 @@
         </p:nvSpPr>
         <p:spPr>
           <a:xfrm>
-            <a:off x="457200" y="1535113"/>
-            <a:ext cx="4040188" cy="639762"/>
+            <a:off x="342900" y="2046817"/>
+            <a:ext cx="3030141" cy="853016"/>
           </a:xfrm>
         </p:spPr>
         <p:txBody>
@@ -1524,8 +1524,8 @@
         </p:nvSpPr>
         <p:spPr>
           <a:xfrm>
-            <a:off x="457200" y="2174875"/>
-            <a:ext cx="4040188" cy="3951288"/>
+            <a:off x="342900" y="2899833"/>
+            <a:ext cx="3030141" cy="5268384"/>
           </a:xfrm>
         </p:spPr>
         <p:txBody>
@@ -1609,8 +1609,8 @@
         </p:nvSpPr>
         <p:spPr>
           <a:xfrm>
-            <a:off x="4645025" y="1535113"/>
-            <a:ext cx="4041775" cy="639762"/>
+            <a:off x="3483769" y="2046817"/>
+            <a:ext cx="3031331" cy="853016"/>
           </a:xfrm>
         </p:spPr>
         <p:txBody>
@@ -1674,8 +1674,8 @@
         </p:nvSpPr>
         <p:spPr>
           <a:xfrm>
-            <a:off x="4645025" y="2174875"/>
-            <a:ext cx="4041775" cy="3951288"/>
+            <a:off x="3483769" y="2899833"/>
+            <a:ext cx="3031331" cy="5268384"/>
           </a:xfrm>
         </p:spPr>
         <p:txBody>
@@ -1764,7 +1764,7 @@
           <a:p>
             <a:fld id="{7C9CBD0C-8918-4FB6-927D-A23EE0DA90C6}" type="datetimeFigureOut">
               <a:rPr lang="en-US" smtClean="0"/>
-              <a:t>8/5/2016</a:t>
+              <a:t>8/8/2016</a:t>
             </a:fld>
             <a:endParaRPr lang="en-US"/>
           </a:p>
@@ -1882,7 +1882,7 @@
           <a:p>
             <a:fld id="{7C9CBD0C-8918-4FB6-927D-A23EE0DA90C6}" type="datetimeFigureOut">
               <a:rPr lang="en-US" smtClean="0"/>
-              <a:t>8/5/2016</a:t>
+              <a:t>8/8/2016</a:t>
             </a:fld>
             <a:endParaRPr lang="en-US"/>
           </a:p>
@@ -1977,7 +1977,7 @@
           <a:p>
             <a:fld id="{7C9CBD0C-8918-4FB6-927D-A23EE0DA90C6}" type="datetimeFigureOut">
               <a:rPr lang="en-US" smtClean="0"/>
-              <a:t>8/5/2016</a:t>
+              <a:t>8/8/2016</a:t>
             </a:fld>
             <a:endParaRPr lang="en-US"/>
           </a:p>
@@ -2067,8 +2067,8 @@
         </p:nvSpPr>
         <p:spPr>
           <a:xfrm>
-            <a:off x="457200" y="273050"/>
-            <a:ext cx="3008313" cy="1162050"/>
+            <a:off x="342900" y="364067"/>
+            <a:ext cx="2256235" cy="1549400"/>
           </a:xfrm>
         </p:spPr>
         <p:txBody>
@@ -2099,8 +2099,8 @@
         </p:nvSpPr>
         <p:spPr>
           <a:xfrm>
-            <a:off x="3575050" y="273050"/>
-            <a:ext cx="5111750" cy="5853113"/>
+            <a:off x="2681287" y="364067"/>
+            <a:ext cx="3833813" cy="7804151"/>
           </a:xfrm>
         </p:spPr>
         <p:txBody>
@@ -2184,8 +2184,8 @@
         </p:nvSpPr>
         <p:spPr>
           <a:xfrm>
-            <a:off x="457200" y="1435100"/>
-            <a:ext cx="3008313" cy="4691063"/>
+            <a:off x="342900" y="1913467"/>
+            <a:ext cx="2256235" cy="6254751"/>
           </a:xfrm>
         </p:spPr>
         <p:txBody>
@@ -2254,7 +2254,7 @@
           <a:p>
             <a:fld id="{7C9CBD0C-8918-4FB6-927D-A23EE0DA90C6}" type="datetimeFigureOut">
               <a:rPr lang="en-US" smtClean="0"/>
-              <a:t>8/5/2016</a:t>
+              <a:t>8/8/2016</a:t>
             </a:fld>
             <a:endParaRPr lang="en-US"/>
           </a:p>
@@ -2344,8 +2344,8 @@
         </p:nvSpPr>
         <p:spPr>
           <a:xfrm>
-            <a:off x="1792288" y="4800600"/>
-            <a:ext cx="5486400" cy="566738"/>
+            <a:off x="1344216" y="6400800"/>
+            <a:ext cx="4114800" cy="755651"/>
           </a:xfrm>
         </p:spPr>
         <p:txBody>
@@ -2376,8 +2376,8 @@
         </p:nvSpPr>
         <p:spPr>
           <a:xfrm>
-            <a:off x="1792288" y="612775"/>
-            <a:ext cx="5486400" cy="4114800"/>
+            <a:off x="1344216" y="817033"/>
+            <a:ext cx="4114800" cy="5486400"/>
           </a:xfrm>
         </p:spPr>
         <p:txBody>
@@ -2437,8 +2437,8 @@
         </p:nvSpPr>
         <p:spPr>
           <a:xfrm>
-            <a:off x="1792288" y="5367338"/>
-            <a:ext cx="5486400" cy="804862"/>
+            <a:off x="1344216" y="7156451"/>
+            <a:ext cx="4114800" cy="1073149"/>
           </a:xfrm>
         </p:spPr>
         <p:txBody>
@@ -2507,7 +2507,7 @@
           <a:p>
             <a:fld id="{7C9CBD0C-8918-4FB6-927D-A23EE0DA90C6}" type="datetimeFigureOut">
               <a:rPr lang="en-US" smtClean="0"/>
-              <a:t>8/5/2016</a:t>
+              <a:t>8/8/2016</a:t>
             </a:fld>
             <a:endParaRPr lang="en-US"/>
           </a:p>
@@ -2602,8 +2602,8 @@
         </p:nvSpPr>
         <p:spPr>
           <a:xfrm>
-            <a:off x="457200" y="274638"/>
-            <a:ext cx="8229600" cy="1143000"/>
+            <a:off x="342900" y="366184"/>
+            <a:ext cx="6172200" cy="1524000"/>
           </a:xfrm>
           <a:prstGeom prst="rect">
             <a:avLst/>
@@ -2635,8 +2635,8 @@
         </p:nvSpPr>
         <p:spPr>
           <a:xfrm>
-            <a:off x="457200" y="1600200"/>
-            <a:ext cx="8229600" cy="4525963"/>
+            <a:off x="342900" y="2133601"/>
+            <a:ext cx="6172200" cy="6034617"/>
           </a:xfrm>
           <a:prstGeom prst="rect">
             <a:avLst/>
@@ -2697,8 +2697,8 @@
         </p:nvSpPr>
         <p:spPr>
           <a:xfrm>
-            <a:off x="457200" y="6356350"/>
-            <a:ext cx="2133600" cy="365125"/>
+            <a:off x="342900" y="8475134"/>
+            <a:ext cx="1600200" cy="486833"/>
           </a:xfrm>
           <a:prstGeom prst="rect">
             <a:avLst/>
@@ -2720,7 +2720,7 @@
           <a:p>
             <a:fld id="{7C9CBD0C-8918-4FB6-927D-A23EE0DA90C6}" type="datetimeFigureOut">
               <a:rPr lang="en-US" smtClean="0"/>
-              <a:t>8/5/2016</a:t>
+              <a:t>8/8/2016</a:t>
             </a:fld>
             <a:endParaRPr lang="en-US"/>
           </a:p>
@@ -2738,8 +2738,8 @@
         </p:nvSpPr>
         <p:spPr>
           <a:xfrm>
-            <a:off x="3124200" y="6356350"/>
-            <a:ext cx="2895600" cy="365125"/>
+            <a:off x="2343150" y="8475134"/>
+            <a:ext cx="2171700" cy="486833"/>
           </a:xfrm>
           <a:prstGeom prst="rect">
             <a:avLst/>
@@ -2775,8 +2775,8 @@
         </p:nvSpPr>
         <p:spPr>
           <a:xfrm>
-            <a:off x="6553200" y="6356350"/>
-            <a:ext cx="2133600" cy="365125"/>
+            <a:off x="4914900" y="8475134"/>
+            <a:ext cx="1600200" cy="486833"/>
           </a:xfrm>
           <a:prstGeom prst="rect">
             <a:avLst/>
@@ -3097,7 +3097,7 @@
       </p:grpSpPr>
       <p:pic>
         <p:nvPicPr>
-          <p:cNvPr id="6" name="Picture 5"/>
+          <p:cNvPr id="5" name="Picture 4"/>
           <p:cNvPicPr>
             <a:picLocks noChangeAspect="1"/>
           </p:cNvPicPr>
@@ -3117,8 +3117,8 @@
         </p:blipFill>
         <p:spPr>
           <a:xfrm>
-            <a:off x="4495800" y="1295400"/>
-            <a:ext cx="3153750" cy="1887000"/>
+            <a:off x="3310425" y="1346200"/>
+            <a:ext cx="3796702" cy="2103120"/>
           </a:xfrm>
           <a:prstGeom prst="rect">
             <a:avLst/>
@@ -3127,13 +3127,13 @@
       </p:pic>
       <p:pic>
         <p:nvPicPr>
-          <p:cNvPr id="4" name="Picture 3"/>
+          <p:cNvPr id="6" name="Picture 5"/>
           <p:cNvPicPr>
             <a:picLocks noChangeAspect="1"/>
           </p:cNvPicPr>
           <p:nvPr/>
         </p:nvPicPr>
-        <p:blipFill>
+        <p:blipFill rotWithShape="1">
           <a:blip r:embed="rId3">
             <a:extLst>
               <a:ext uri="{28A0092B-C50C-407E-A947-70E740481C1C}">
@@ -3141,14 +3141,13 @@
               </a:ext>
             </a:extLst>
           </a:blip>
-          <a:stretch>
-            <a:fillRect/>
-          </a:stretch>
+          <a:srcRect r="7176"/>
+          <a:stretch/>
         </p:blipFill>
         <p:spPr>
           <a:xfrm>
-            <a:off x="1372530" y="1295400"/>
-            <a:ext cx="3153750" cy="1887000"/>
+            <a:off x="-56348" y="1346200"/>
+            <a:ext cx="3524250" cy="2103120"/>
           </a:xfrm>
           <a:prstGeom prst="rect">
             <a:avLst/>
@@ -3157,13 +3156,78 @@
       </p:pic>
       <p:sp>
         <p:nvSpPr>
-          <p:cNvPr id="5" name="TextBox 4"/>
+          <p:cNvPr id="3" name="Subtitle 2"/>
+          <p:cNvSpPr>
+            <a:spLocks noGrp="1"/>
+          </p:cNvSpPr>
+          <p:nvPr>
+            <p:ph type="subTitle" idx="1"/>
+          </p:nvPr>
+        </p:nvSpPr>
+        <p:spPr/>
+        <p:txBody>
+          <a:bodyPr/>
+          <a:lstStyle/>
+          <a:p>
+            <a:endParaRPr lang="en-US"/>
+          </a:p>
+        </p:txBody>
+      </p:sp>
+      <p:sp>
+        <p:nvSpPr>
+          <p:cNvPr id="4" name="Rectangle 3"/>
+          <p:cNvSpPr/>
+          <p:nvPr/>
+        </p:nvSpPr>
+        <p:spPr>
+          <a:xfrm>
+            <a:off x="2970276" y="972961"/>
+            <a:ext cx="152400" cy="152400"/>
+          </a:xfrm>
+          <a:prstGeom prst="rect">
+            <a:avLst/>
+          </a:prstGeom>
+          <a:noFill/>
+          <a:ln w="12700">
+            <a:solidFill>
+              <a:srgbClr val="FF0000"/>
+            </a:solidFill>
+          </a:ln>
+        </p:spPr>
+        <p:style>
+          <a:lnRef idx="2">
+            <a:schemeClr val="accent1">
+              <a:shade val="50000"/>
+            </a:schemeClr>
+          </a:lnRef>
+          <a:fillRef idx="1">
+            <a:schemeClr val="accent1"/>
+          </a:fillRef>
+          <a:effectRef idx="0">
+            <a:schemeClr val="accent1"/>
+          </a:effectRef>
+          <a:fontRef idx="minor">
+            <a:schemeClr val="lt1"/>
+          </a:fontRef>
+        </p:style>
+        <p:txBody>
+          <a:bodyPr rtlCol="0" anchor="ctr"/>
+          <a:lstStyle/>
+          <a:p>
+            <a:pPr algn="ctr"/>
+            <a:endParaRPr lang="en-US"/>
+          </a:p>
+        </p:txBody>
+      </p:sp>
+      <p:sp>
+        <p:nvSpPr>
+          <p:cNvPr id="7" name="TextBox 6"/>
           <p:cNvSpPr txBox="1"/>
           <p:nvPr/>
         </p:nvSpPr>
         <p:spPr>
           <a:xfrm>
-            <a:off x="1372530" y="2997734"/>
+            <a:off x="381000" y="3271004"/>
             <a:ext cx="324128" cy="369332"/>
           </a:xfrm>
           <a:prstGeom prst="rect">
@@ -3187,13 +3251,13 @@
       </p:sp>
       <p:sp>
         <p:nvSpPr>
-          <p:cNvPr id="11" name="TextBox 10"/>
+          <p:cNvPr id="8" name="TextBox 7"/>
           <p:cNvSpPr txBox="1"/>
           <p:nvPr/>
         </p:nvSpPr>
         <p:spPr>
           <a:xfrm>
-            <a:off x="4526280" y="2994660"/>
+            <a:off x="3742644" y="3271004"/>
             <a:ext cx="314510" cy="369332"/>
           </a:xfrm>
           <a:prstGeom prst="rect">
@@ -3211,25 +3275,24 @@
               <a:rPr lang="en-US" b="1" dirty="0"/>
               <a:t>B</a:t>
             </a:r>
-            <a:endParaRPr lang="en-US" b="1" dirty="0"/>
           </a:p>
         </p:txBody>
       </p:sp>
       <p:cxnSp>
         <p:nvCxnSpPr>
-          <p:cNvPr id="13" name="Straight Connector 12"/>
+          <p:cNvPr id="9" name="Straight Connector 8"/>
           <p:cNvCxnSpPr/>
           <p:nvPr/>
         </p:nvCxnSpPr>
         <p:spPr>
           <a:xfrm flipV="1">
-            <a:off x="2273106" y="1051132"/>
+            <a:off x="1168206" y="1051132"/>
             <a:ext cx="342900" cy="130"/>
           </a:xfrm>
           <a:prstGeom prst="line">
             <a:avLst/>
           </a:prstGeom>
-          <a:ln w="63500">
+          <a:ln w="25400">
             <a:solidFill>
               <a:srgbClr val="0000FF"/>
             </a:solidFill>
@@ -3252,14 +3315,14 @@
       </p:cxnSp>
       <p:sp>
         <p:nvSpPr>
-          <p:cNvPr id="14" name="TextBox 13"/>
+          <p:cNvPr id="10" name="TextBox 9"/>
           <p:cNvSpPr txBox="1"/>
           <p:nvPr/>
         </p:nvSpPr>
         <p:spPr>
           <a:xfrm>
-            <a:off x="2586602" y="904566"/>
-            <a:ext cx="1181734" cy="276999"/>
+            <a:off x="1481702" y="904566"/>
+            <a:ext cx="1189556" cy="276999"/>
           </a:xfrm>
           <a:prstGeom prst="rect">
             <a:avLst/>
@@ -3277,7 +3340,7 @@
                 <a:latin typeface="Arial" pitchFamily="34" charset="0"/>
                 <a:cs typeface="Arial" pitchFamily="34" charset="0"/>
               </a:rPr>
-              <a:t>standard lasso</a:t>
+              <a:t>MATLAB lasso</a:t>
             </a:r>
             <a:endParaRPr lang="en-US" sz="1200" dirty="0">
               <a:latin typeface="Arial" pitchFamily="34" charset="0"/>
@@ -3288,19 +3351,19 @@
       </p:sp>
       <p:cxnSp>
         <p:nvCxnSpPr>
-          <p:cNvPr id="15" name="Straight Connector 14"/>
+          <p:cNvPr id="11" name="Straight Connector 10"/>
           <p:cNvCxnSpPr/>
           <p:nvPr/>
         </p:nvCxnSpPr>
         <p:spPr>
           <a:xfrm>
-            <a:off x="3939540" y="1051132"/>
+            <a:off x="2834640" y="1051132"/>
             <a:ext cx="380535" cy="0"/>
           </a:xfrm>
           <a:prstGeom prst="line">
             <a:avLst/>
           </a:prstGeom>
-          <a:ln w="63500">
+          <a:ln w="25400">
             <a:solidFill>
               <a:srgbClr val="FF0000"/>
             </a:solidFill>
@@ -3323,13 +3386,13 @@
       </p:cxnSp>
       <p:sp>
         <p:nvSpPr>
-          <p:cNvPr id="16" name="TextBox 15"/>
+          <p:cNvPr id="12" name="TextBox 11"/>
           <p:cNvSpPr txBox="1"/>
           <p:nvPr/>
         </p:nvSpPr>
         <p:spPr>
           <a:xfrm>
-            <a:off x="4283051" y="904566"/>
+            <a:off x="3178151" y="904566"/>
             <a:ext cx="630301" cy="276999"/>
           </a:xfrm>
           <a:prstGeom prst="rect">
@@ -3359,19 +3422,19 @@
       </p:sp>
       <p:cxnSp>
         <p:nvCxnSpPr>
-          <p:cNvPr id="17" name="Straight Connector 16"/>
+          <p:cNvPr id="13" name="Straight Connector 12"/>
           <p:cNvCxnSpPr/>
           <p:nvPr/>
         </p:nvCxnSpPr>
         <p:spPr>
           <a:xfrm flipV="1">
-            <a:off x="5004799" y="1051132"/>
+            <a:off x="3899899" y="1051132"/>
             <a:ext cx="342900" cy="130"/>
           </a:xfrm>
           <a:prstGeom prst="line">
             <a:avLst/>
           </a:prstGeom>
-          <a:ln w="63500">
+          <a:ln w="25400">
             <a:solidFill>
               <a:srgbClr val="FF00FF"/>
             </a:solidFill>
@@ -3394,13 +3457,13 @@
       </p:cxnSp>
       <p:sp>
         <p:nvSpPr>
-          <p:cNvPr id="18" name="TextBox 17"/>
+          <p:cNvPr id="14" name="TextBox 13"/>
           <p:cNvSpPr txBox="1"/>
           <p:nvPr/>
         </p:nvSpPr>
         <p:spPr>
           <a:xfrm>
-            <a:off x="5303055" y="904566"/>
+            <a:off x="4198155" y="904566"/>
             <a:ext cx="1577676" cy="276999"/>
           </a:xfrm>
           <a:prstGeom prst="rect">
@@ -3428,10 +3491,150 @@
           </a:p>
         </p:txBody>
       </p:sp>
+      <p:cxnSp>
+        <p:nvCxnSpPr>
+          <p:cNvPr id="15" name="Straight Connector 14"/>
+          <p:cNvCxnSpPr/>
+          <p:nvPr/>
+        </p:nvCxnSpPr>
+        <p:spPr>
+          <a:xfrm>
+            <a:off x="1277232" y="972961"/>
+            <a:ext cx="152400" cy="152400"/>
+          </a:xfrm>
+          <a:prstGeom prst="line">
+            <a:avLst/>
+          </a:prstGeom>
+          <a:ln>
+            <a:solidFill>
+              <a:srgbClr val="2D0AFC"/>
+            </a:solidFill>
+          </a:ln>
+        </p:spPr>
+        <p:style>
+          <a:lnRef idx="1">
+            <a:schemeClr val="accent1"/>
+          </a:lnRef>
+          <a:fillRef idx="0">
+            <a:schemeClr val="accent1"/>
+          </a:fillRef>
+          <a:effectRef idx="0">
+            <a:schemeClr val="accent1"/>
+          </a:effectRef>
+          <a:fontRef idx="minor">
+            <a:schemeClr val="tx1"/>
+          </a:fontRef>
+        </p:style>
+      </p:cxnSp>
+      <p:cxnSp>
+        <p:nvCxnSpPr>
+          <p:cNvPr id="16" name="Straight Connector 15"/>
+          <p:cNvCxnSpPr/>
+          <p:nvPr/>
+        </p:nvCxnSpPr>
+        <p:spPr>
+          <a:xfrm flipV="1">
+            <a:off x="1277232" y="972961"/>
+            <a:ext cx="152400" cy="152400"/>
+          </a:xfrm>
+          <a:prstGeom prst="line">
+            <a:avLst/>
+          </a:prstGeom>
+          <a:ln>
+            <a:solidFill>
+              <a:srgbClr val="2D0AFC"/>
+            </a:solidFill>
+          </a:ln>
+        </p:spPr>
+        <p:style>
+          <a:lnRef idx="1">
+            <a:schemeClr val="accent1"/>
+          </a:lnRef>
+          <a:fillRef idx="0">
+            <a:schemeClr val="accent1"/>
+          </a:fillRef>
+          <a:effectRef idx="0">
+            <a:schemeClr val="accent1"/>
+          </a:effectRef>
+          <a:fontRef idx="minor">
+            <a:schemeClr val="tx1"/>
+          </a:fontRef>
+        </p:style>
+      </p:cxnSp>
+      <p:cxnSp>
+        <p:nvCxnSpPr>
+          <p:cNvPr id="17" name="Straight Connector 16"/>
+          <p:cNvCxnSpPr/>
+          <p:nvPr/>
+        </p:nvCxnSpPr>
+        <p:spPr>
+          <a:xfrm rot="2700000">
+            <a:off x="3995645" y="953726"/>
+            <a:ext cx="152400" cy="152400"/>
+          </a:xfrm>
+          <a:prstGeom prst="line">
+            <a:avLst/>
+          </a:prstGeom>
+          <a:ln>
+            <a:solidFill>
+              <a:srgbClr val="FF00FF"/>
+            </a:solidFill>
+          </a:ln>
+        </p:spPr>
+        <p:style>
+          <a:lnRef idx="1">
+            <a:schemeClr val="accent1"/>
+          </a:lnRef>
+          <a:fillRef idx="0">
+            <a:schemeClr val="accent1"/>
+          </a:fillRef>
+          <a:effectRef idx="0">
+            <a:schemeClr val="accent1"/>
+          </a:effectRef>
+          <a:fontRef idx="minor">
+            <a:schemeClr val="tx1"/>
+          </a:fontRef>
+        </p:style>
+      </p:cxnSp>
+      <p:cxnSp>
+        <p:nvCxnSpPr>
+          <p:cNvPr id="18" name="Straight Connector 17"/>
+          <p:cNvCxnSpPr/>
+          <p:nvPr/>
+        </p:nvCxnSpPr>
+        <p:spPr>
+          <a:xfrm rot="2700000" flipV="1">
+            <a:off x="3995645" y="953726"/>
+            <a:ext cx="152400" cy="152400"/>
+          </a:xfrm>
+          <a:prstGeom prst="line">
+            <a:avLst/>
+          </a:prstGeom>
+          <a:ln>
+            <a:solidFill>
+              <a:srgbClr val="FF00FF"/>
+            </a:solidFill>
+          </a:ln>
+        </p:spPr>
+        <p:style>
+          <a:lnRef idx="1">
+            <a:schemeClr val="accent1"/>
+          </a:lnRef>
+          <a:fillRef idx="0">
+            <a:schemeClr val="accent1"/>
+          </a:fillRef>
+          <a:effectRef idx="0">
+            <a:schemeClr val="accent1"/>
+          </a:effectRef>
+          <a:fontRef idx="minor">
+            <a:schemeClr val="tx1"/>
+          </a:fontRef>
+        </p:style>
+      </p:cxnSp>
     </p:spTree>
     <p:extLst>
       <p:ext uri="{BB962C8B-B14F-4D97-AF65-F5344CB8AC3E}">
-        <p14:creationId xmlns:p14="http://schemas.microsoft.com/office/powerpoint/2010/main" val="1477301554"/>
+        <p14:creationId xmlns:p14="http://schemas.microsoft.com/office/powerpoint/2010/main" val="2218570650"/>
       </p:ext>
     </p:extLst>
   </p:cSld>
